--- a/docs/source/_static/img/apca_logo.pptx
+++ b/docs/source/_static/img/apca_logo.pptx
@@ -2,12 +2,12 @@
 <file path=ppt/presentation.xml><?xml version="1.0" encoding="utf-8"?>
 <p:presentation xmlns:a="http://schemas.openxmlformats.org/drawingml/2006/main" xmlns:r="http://schemas.openxmlformats.org/officeDocument/2006/relationships" xmlns:p="http://schemas.openxmlformats.org/presentationml/2006/main" saveSubsetFonts="1">
   <p:sldMasterIdLst>
-    <p:sldMasterId id="2147483780" r:id="rId1"/>
+    <p:sldMasterId id="2147483792" r:id="rId1"/>
   </p:sldMasterIdLst>
   <p:sldIdLst>
     <p:sldId id="258" r:id="rId2"/>
   </p:sldIdLst>
-  <p:sldSz cx="11612563" cy="2057400"/>
+  <p:sldSz cx="11155363" cy="2057400"/>
   <p:notesSz cx="6858000" cy="9144000"/>
   <p:defaultTextStyle>
     <a:defPPr>
@@ -141,8 +141,8 @@
         </p:nvSpPr>
         <p:spPr>
           <a:xfrm>
-            <a:off x="1451571" y="336709"/>
-            <a:ext cx="8709422" cy="716280"/>
+            <a:off x="1394421" y="336709"/>
+            <a:ext cx="8366522" cy="716280"/>
           </a:xfrm>
         </p:spPr>
         <p:txBody>
@@ -173,8 +173,8 @@
         </p:nvSpPr>
         <p:spPr>
           <a:xfrm>
-            <a:off x="1451571" y="1080611"/>
-            <a:ext cx="8709422" cy="496729"/>
+            <a:off x="1394421" y="1080611"/>
+            <a:ext cx="8366522" cy="496729"/>
           </a:xfrm>
         </p:spPr>
         <p:txBody>
@@ -243,7 +243,7 @@
           <a:p>
             <a:fld id="{DEB3EFF7-52A9-4638-A54C-784ED58FA77B}" type="datetimeFigureOut">
               <a:rPr lang="en-US" smtClean="0"/>
-              <a:t>4/27/2021</a:t>
+              <a:t>6/3/2021</a:t>
             </a:fld>
             <a:endParaRPr lang="en-US"/>
           </a:p>
@@ -294,7 +294,7 @@
     </p:spTree>
     <p:extLst>
       <p:ext uri="{BB962C8B-B14F-4D97-AF65-F5344CB8AC3E}">
-        <p14:creationId xmlns:p14="http://schemas.microsoft.com/office/powerpoint/2010/main" val="3495402089"/>
+        <p14:creationId xmlns:p14="http://schemas.microsoft.com/office/powerpoint/2010/main" val="3489819622"/>
       </p:ext>
     </p:extLst>
   </p:cSld>
@@ -413,7 +413,7 @@
           <a:p>
             <a:fld id="{DEB3EFF7-52A9-4638-A54C-784ED58FA77B}" type="datetimeFigureOut">
               <a:rPr lang="en-US" smtClean="0"/>
-              <a:t>4/27/2021</a:t>
+              <a:t>6/3/2021</a:t>
             </a:fld>
             <a:endParaRPr lang="en-US"/>
           </a:p>
@@ -464,7 +464,7 @@
     </p:spTree>
     <p:extLst>
       <p:ext uri="{BB962C8B-B14F-4D97-AF65-F5344CB8AC3E}">
-        <p14:creationId xmlns:p14="http://schemas.microsoft.com/office/powerpoint/2010/main" val="2801126989"/>
+        <p14:creationId xmlns:p14="http://schemas.microsoft.com/office/powerpoint/2010/main" val="3421785450"/>
       </p:ext>
     </p:extLst>
   </p:cSld>
@@ -503,8 +503,8 @@
         </p:nvSpPr>
         <p:spPr>
           <a:xfrm>
-            <a:off x="8310240" y="109538"/>
-            <a:ext cx="2503959" cy="1743551"/>
+            <a:off x="7983057" y="109538"/>
+            <a:ext cx="2405375" cy="1743551"/>
           </a:xfrm>
         </p:spPr>
         <p:txBody>
@@ -531,8 +531,8 @@
         </p:nvSpPr>
         <p:spPr>
           <a:xfrm>
-            <a:off x="798364" y="109538"/>
-            <a:ext cx="7366720" cy="1743551"/>
+            <a:off x="766931" y="109538"/>
+            <a:ext cx="7076683" cy="1743551"/>
           </a:xfrm>
         </p:spPr>
         <p:txBody>
@@ -593,7 +593,7 @@
           <a:p>
             <a:fld id="{DEB3EFF7-52A9-4638-A54C-784ED58FA77B}" type="datetimeFigureOut">
               <a:rPr lang="en-US" smtClean="0"/>
-              <a:t>4/27/2021</a:t>
+              <a:t>6/3/2021</a:t>
             </a:fld>
             <a:endParaRPr lang="en-US"/>
           </a:p>
@@ -644,7 +644,7 @@
     </p:spTree>
     <p:extLst>
       <p:ext uri="{BB962C8B-B14F-4D97-AF65-F5344CB8AC3E}">
-        <p14:creationId xmlns:p14="http://schemas.microsoft.com/office/powerpoint/2010/main" val="1562866591"/>
+        <p14:creationId xmlns:p14="http://schemas.microsoft.com/office/powerpoint/2010/main" val="695722427"/>
       </p:ext>
     </p:extLst>
   </p:cSld>
@@ -763,7 +763,7 @@
           <a:p>
             <a:fld id="{DEB3EFF7-52A9-4638-A54C-784ED58FA77B}" type="datetimeFigureOut">
               <a:rPr lang="en-US" smtClean="0"/>
-              <a:t>4/27/2021</a:t>
+              <a:t>6/3/2021</a:t>
             </a:fld>
             <a:endParaRPr lang="en-US"/>
           </a:p>
@@ -814,7 +814,7 @@
     </p:spTree>
     <p:extLst>
       <p:ext uri="{BB962C8B-B14F-4D97-AF65-F5344CB8AC3E}">
-        <p14:creationId xmlns:p14="http://schemas.microsoft.com/office/powerpoint/2010/main" val="1035073487"/>
+        <p14:creationId xmlns:p14="http://schemas.microsoft.com/office/powerpoint/2010/main" val="2394468918"/>
       </p:ext>
     </p:extLst>
   </p:cSld>
@@ -853,8 +853,8 @@
         </p:nvSpPr>
         <p:spPr>
           <a:xfrm>
-            <a:off x="792315" y="512922"/>
-            <a:ext cx="10015836" cy="855821"/>
+            <a:off x="761121" y="512922"/>
+            <a:ext cx="9621501" cy="855821"/>
           </a:xfrm>
         </p:spPr>
         <p:txBody>
@@ -885,8 +885,8 @@
         </p:nvSpPr>
         <p:spPr>
           <a:xfrm>
-            <a:off x="792315" y="1376839"/>
-            <a:ext cx="10015836" cy="450056"/>
+            <a:off x="761121" y="1376839"/>
+            <a:ext cx="9621501" cy="450056"/>
           </a:xfrm>
         </p:spPr>
         <p:txBody>
@@ -1009,7 +1009,7 @@
           <a:p>
             <a:fld id="{DEB3EFF7-52A9-4638-A54C-784ED58FA77B}" type="datetimeFigureOut">
               <a:rPr lang="en-US" smtClean="0"/>
-              <a:t>4/27/2021</a:t>
+              <a:t>6/3/2021</a:t>
             </a:fld>
             <a:endParaRPr lang="en-US"/>
           </a:p>
@@ -1060,7 +1060,7 @@
     </p:spTree>
     <p:extLst>
       <p:ext uri="{BB962C8B-B14F-4D97-AF65-F5344CB8AC3E}">
-        <p14:creationId xmlns:p14="http://schemas.microsoft.com/office/powerpoint/2010/main" val="4034894117"/>
+        <p14:creationId xmlns:p14="http://schemas.microsoft.com/office/powerpoint/2010/main" val="3781247867"/>
       </p:ext>
     </p:extLst>
   </p:cSld>
@@ -1122,8 +1122,8 @@
         </p:nvSpPr>
         <p:spPr>
           <a:xfrm>
-            <a:off x="798364" y="547688"/>
-            <a:ext cx="4935339" cy="1305401"/>
+            <a:off x="766931" y="547688"/>
+            <a:ext cx="4741029" cy="1305401"/>
           </a:xfrm>
         </p:spPr>
         <p:txBody>
@@ -1179,8 +1179,8 @@
         </p:nvSpPr>
         <p:spPr>
           <a:xfrm>
-            <a:off x="5878860" y="547688"/>
-            <a:ext cx="4935339" cy="1305401"/>
+            <a:off x="5647403" y="547688"/>
+            <a:ext cx="4741029" cy="1305401"/>
           </a:xfrm>
         </p:spPr>
         <p:txBody>
@@ -1241,7 +1241,7 @@
           <a:p>
             <a:fld id="{DEB3EFF7-52A9-4638-A54C-784ED58FA77B}" type="datetimeFigureOut">
               <a:rPr lang="en-US" smtClean="0"/>
-              <a:t>4/27/2021</a:t>
+              <a:t>6/3/2021</a:t>
             </a:fld>
             <a:endParaRPr lang="en-US"/>
           </a:p>
@@ -1292,7 +1292,7 @@
     </p:spTree>
     <p:extLst>
       <p:ext uri="{BB962C8B-B14F-4D97-AF65-F5344CB8AC3E}">
-        <p14:creationId xmlns:p14="http://schemas.microsoft.com/office/powerpoint/2010/main" val="2785508989"/>
+        <p14:creationId xmlns:p14="http://schemas.microsoft.com/office/powerpoint/2010/main" val="2646213548"/>
       </p:ext>
     </p:extLst>
   </p:cSld>
@@ -1331,8 +1331,8 @@
         </p:nvSpPr>
         <p:spPr>
           <a:xfrm>
-            <a:off x="799876" y="109538"/>
-            <a:ext cx="10015836" cy="397669"/>
+            <a:off x="768384" y="109538"/>
+            <a:ext cx="9621501" cy="397669"/>
           </a:xfrm>
         </p:spPr>
         <p:txBody>
@@ -1359,8 +1359,8 @@
         </p:nvSpPr>
         <p:spPr>
           <a:xfrm>
-            <a:off x="799877" y="504349"/>
-            <a:ext cx="4912658" cy="247174"/>
+            <a:off x="768385" y="504349"/>
+            <a:ext cx="4719241" cy="247174"/>
           </a:xfrm>
         </p:spPr>
         <p:txBody>
@@ -1424,8 +1424,8 @@
         </p:nvSpPr>
         <p:spPr>
           <a:xfrm>
-            <a:off x="799877" y="751523"/>
-            <a:ext cx="4912658" cy="1105376"/>
+            <a:off x="768385" y="751523"/>
+            <a:ext cx="4719241" cy="1105376"/>
           </a:xfrm>
         </p:spPr>
         <p:txBody>
@@ -1481,8 +1481,8 @@
         </p:nvSpPr>
         <p:spPr>
           <a:xfrm>
-            <a:off x="5878860" y="504349"/>
-            <a:ext cx="4936852" cy="247174"/>
+            <a:off x="5647403" y="504349"/>
+            <a:ext cx="4742482" cy="247174"/>
           </a:xfrm>
         </p:spPr>
         <p:txBody>
@@ -1546,8 +1546,8 @@
         </p:nvSpPr>
         <p:spPr>
           <a:xfrm>
-            <a:off x="5878860" y="751523"/>
-            <a:ext cx="4936852" cy="1105376"/>
+            <a:off x="5647403" y="751523"/>
+            <a:ext cx="4742482" cy="1105376"/>
           </a:xfrm>
         </p:spPr>
         <p:txBody>
@@ -1608,7 +1608,7 @@
           <a:p>
             <a:fld id="{DEB3EFF7-52A9-4638-A54C-784ED58FA77B}" type="datetimeFigureOut">
               <a:rPr lang="en-US" smtClean="0"/>
-              <a:t>4/27/2021</a:t>
+              <a:t>6/3/2021</a:t>
             </a:fld>
             <a:endParaRPr lang="en-US"/>
           </a:p>
@@ -1659,7 +1659,7 @@
     </p:spTree>
     <p:extLst>
       <p:ext uri="{BB962C8B-B14F-4D97-AF65-F5344CB8AC3E}">
-        <p14:creationId xmlns:p14="http://schemas.microsoft.com/office/powerpoint/2010/main" val="2167894643"/>
+        <p14:creationId xmlns:p14="http://schemas.microsoft.com/office/powerpoint/2010/main" val="516786416"/>
       </p:ext>
     </p:extLst>
   </p:cSld>
@@ -1726,7 +1726,7 @@
           <a:p>
             <a:fld id="{DEB3EFF7-52A9-4638-A54C-784ED58FA77B}" type="datetimeFigureOut">
               <a:rPr lang="en-US" smtClean="0"/>
-              <a:t>4/27/2021</a:t>
+              <a:t>6/3/2021</a:t>
             </a:fld>
             <a:endParaRPr lang="en-US"/>
           </a:p>
@@ -1777,7 +1777,7 @@
     </p:spTree>
     <p:extLst>
       <p:ext uri="{BB962C8B-B14F-4D97-AF65-F5344CB8AC3E}">
-        <p14:creationId xmlns:p14="http://schemas.microsoft.com/office/powerpoint/2010/main" val="890986338"/>
+        <p14:creationId xmlns:p14="http://schemas.microsoft.com/office/powerpoint/2010/main" val="641248492"/>
       </p:ext>
     </p:extLst>
   </p:cSld>
@@ -1821,7 +1821,7 @@
           <a:p>
             <a:fld id="{DEB3EFF7-52A9-4638-A54C-784ED58FA77B}" type="datetimeFigureOut">
               <a:rPr lang="en-US" smtClean="0"/>
-              <a:t>4/27/2021</a:t>
+              <a:t>6/3/2021</a:t>
             </a:fld>
             <a:endParaRPr lang="en-US"/>
           </a:p>
@@ -1872,7 +1872,7 @@
     </p:spTree>
     <p:extLst>
       <p:ext uri="{BB962C8B-B14F-4D97-AF65-F5344CB8AC3E}">
-        <p14:creationId xmlns:p14="http://schemas.microsoft.com/office/powerpoint/2010/main" val="658313854"/>
+        <p14:creationId xmlns:p14="http://schemas.microsoft.com/office/powerpoint/2010/main" val="1509447988"/>
       </p:ext>
     </p:extLst>
   </p:cSld>
@@ -1911,8 +1911,8 @@
         </p:nvSpPr>
         <p:spPr>
           <a:xfrm>
-            <a:off x="799876" y="137160"/>
-            <a:ext cx="3745354" cy="480060"/>
+            <a:off x="768384" y="137160"/>
+            <a:ext cx="3597895" cy="480060"/>
           </a:xfrm>
         </p:spPr>
         <p:txBody>
@@ -1943,8 +1943,8 @@
         </p:nvSpPr>
         <p:spPr>
           <a:xfrm>
-            <a:off x="4936852" y="296227"/>
-            <a:ext cx="5878860" cy="1462088"/>
+            <a:off x="4742482" y="296227"/>
+            <a:ext cx="5647403" cy="1462088"/>
           </a:xfrm>
         </p:spPr>
         <p:txBody>
@@ -2028,8 +2028,8 @@
         </p:nvSpPr>
         <p:spPr>
           <a:xfrm>
-            <a:off x="799876" y="617220"/>
-            <a:ext cx="3745354" cy="1143476"/>
+            <a:off x="768384" y="617220"/>
+            <a:ext cx="3597895" cy="1143476"/>
           </a:xfrm>
         </p:spPr>
         <p:txBody>
@@ -2098,7 +2098,7 @@
           <a:p>
             <a:fld id="{DEB3EFF7-52A9-4638-A54C-784ED58FA77B}" type="datetimeFigureOut">
               <a:rPr lang="en-US" smtClean="0"/>
-              <a:t>4/27/2021</a:t>
+              <a:t>6/3/2021</a:t>
             </a:fld>
             <a:endParaRPr lang="en-US"/>
           </a:p>
@@ -2149,7 +2149,7 @@
     </p:spTree>
     <p:extLst>
       <p:ext uri="{BB962C8B-B14F-4D97-AF65-F5344CB8AC3E}">
-        <p14:creationId xmlns:p14="http://schemas.microsoft.com/office/powerpoint/2010/main" val="2810986172"/>
+        <p14:creationId xmlns:p14="http://schemas.microsoft.com/office/powerpoint/2010/main" val="3470195823"/>
       </p:ext>
     </p:extLst>
   </p:cSld>
@@ -2188,8 +2188,8 @@
         </p:nvSpPr>
         <p:spPr>
           <a:xfrm>
-            <a:off x="799876" y="137160"/>
-            <a:ext cx="3745354" cy="480060"/>
+            <a:off x="768384" y="137160"/>
+            <a:ext cx="3597895" cy="480060"/>
           </a:xfrm>
         </p:spPr>
         <p:txBody>
@@ -2220,8 +2220,8 @@
         </p:nvSpPr>
         <p:spPr>
           <a:xfrm>
-            <a:off x="4936852" y="296227"/>
-            <a:ext cx="5878860" cy="1462088"/>
+            <a:off x="4742482" y="296227"/>
+            <a:ext cx="5647403" cy="1462088"/>
           </a:xfrm>
         </p:spPr>
         <p:txBody>
@@ -2285,8 +2285,8 @@
         </p:nvSpPr>
         <p:spPr>
           <a:xfrm>
-            <a:off x="799876" y="617220"/>
-            <a:ext cx="3745354" cy="1143476"/>
+            <a:off x="768384" y="617220"/>
+            <a:ext cx="3597895" cy="1143476"/>
           </a:xfrm>
         </p:spPr>
         <p:txBody>
@@ -2355,7 +2355,7 @@
           <a:p>
             <a:fld id="{DEB3EFF7-52A9-4638-A54C-784ED58FA77B}" type="datetimeFigureOut">
               <a:rPr lang="en-US" smtClean="0"/>
-              <a:t>4/27/2021</a:t>
+              <a:t>6/3/2021</a:t>
             </a:fld>
             <a:endParaRPr lang="en-US"/>
           </a:p>
@@ -2406,7 +2406,7 @@
     </p:spTree>
     <p:extLst>
       <p:ext uri="{BB962C8B-B14F-4D97-AF65-F5344CB8AC3E}">
-        <p14:creationId xmlns:p14="http://schemas.microsoft.com/office/powerpoint/2010/main" val="744426474"/>
+        <p14:creationId xmlns:p14="http://schemas.microsoft.com/office/powerpoint/2010/main" val="2802036522"/>
       </p:ext>
     </p:extLst>
   </p:cSld>
@@ -2450,8 +2450,8 @@
         </p:nvSpPr>
         <p:spPr>
           <a:xfrm>
-            <a:off x="798364" y="109538"/>
-            <a:ext cx="10015836" cy="397669"/>
+            <a:off x="766931" y="109538"/>
+            <a:ext cx="9621501" cy="397669"/>
           </a:xfrm>
           <a:prstGeom prst="rect">
             <a:avLst/>
@@ -2483,8 +2483,8 @@
         </p:nvSpPr>
         <p:spPr>
           <a:xfrm>
-            <a:off x="798364" y="547688"/>
-            <a:ext cx="10015836" cy="1305401"/>
+            <a:off x="766931" y="547688"/>
+            <a:ext cx="9621501" cy="1305401"/>
           </a:xfrm>
           <a:prstGeom prst="rect">
             <a:avLst/>
@@ -2545,8 +2545,8 @@
         </p:nvSpPr>
         <p:spPr>
           <a:xfrm>
-            <a:off x="798364" y="1906905"/>
-            <a:ext cx="2612827" cy="109538"/>
+            <a:off x="766931" y="1906905"/>
+            <a:ext cx="2509957" cy="109538"/>
           </a:xfrm>
           <a:prstGeom prst="rect">
             <a:avLst/>
@@ -2568,7 +2568,7 @@
           <a:p>
             <a:fld id="{DEB3EFF7-52A9-4638-A54C-784ED58FA77B}" type="datetimeFigureOut">
               <a:rPr lang="en-US" smtClean="0"/>
-              <a:t>4/27/2021</a:t>
+              <a:t>6/3/2021</a:t>
             </a:fld>
             <a:endParaRPr lang="en-US"/>
           </a:p>
@@ -2586,8 +2586,8 @@
         </p:nvSpPr>
         <p:spPr>
           <a:xfrm>
-            <a:off x="3846662" y="1906905"/>
-            <a:ext cx="3919240" cy="109538"/>
+            <a:off x="3695214" y="1906905"/>
+            <a:ext cx="3764935" cy="109538"/>
           </a:xfrm>
           <a:prstGeom prst="rect">
             <a:avLst/>
@@ -2623,8 +2623,8 @@
         </p:nvSpPr>
         <p:spPr>
           <a:xfrm>
-            <a:off x="8201372" y="1906905"/>
-            <a:ext cx="2612827" cy="109538"/>
+            <a:off x="7878475" y="1906905"/>
+            <a:ext cx="2509957" cy="109538"/>
           </a:xfrm>
           <a:prstGeom prst="rect">
             <a:avLst/>
@@ -2655,23 +2655,23 @@
     </p:spTree>
     <p:extLst>
       <p:ext uri="{BB962C8B-B14F-4D97-AF65-F5344CB8AC3E}">
-        <p14:creationId xmlns:p14="http://schemas.microsoft.com/office/powerpoint/2010/main" val="421169794"/>
+        <p14:creationId xmlns:p14="http://schemas.microsoft.com/office/powerpoint/2010/main" val="2439935891"/>
       </p:ext>
     </p:extLst>
   </p:cSld>
   <p:clrMap bg1="lt1" tx1="dk1" bg2="lt2" tx2="dk2" accent1="accent1" accent2="accent2" accent3="accent3" accent4="accent4" accent5="accent5" accent6="accent6" hlink="hlink" folHlink="folHlink"/>
   <p:sldLayoutIdLst>
-    <p:sldLayoutId id="2147483781" r:id="rId1"/>
-    <p:sldLayoutId id="2147483782" r:id="rId2"/>
-    <p:sldLayoutId id="2147483783" r:id="rId3"/>
-    <p:sldLayoutId id="2147483784" r:id="rId4"/>
-    <p:sldLayoutId id="2147483785" r:id="rId5"/>
-    <p:sldLayoutId id="2147483786" r:id="rId6"/>
-    <p:sldLayoutId id="2147483787" r:id="rId7"/>
-    <p:sldLayoutId id="2147483788" r:id="rId8"/>
-    <p:sldLayoutId id="2147483789" r:id="rId9"/>
-    <p:sldLayoutId id="2147483790" r:id="rId10"/>
-    <p:sldLayoutId id="2147483791" r:id="rId11"/>
+    <p:sldLayoutId id="2147483793" r:id="rId1"/>
+    <p:sldLayoutId id="2147483794" r:id="rId2"/>
+    <p:sldLayoutId id="2147483795" r:id="rId3"/>
+    <p:sldLayoutId id="2147483796" r:id="rId4"/>
+    <p:sldLayoutId id="2147483797" r:id="rId5"/>
+    <p:sldLayoutId id="2147483798" r:id="rId6"/>
+    <p:sldLayoutId id="2147483799" r:id="rId7"/>
+    <p:sldLayoutId id="2147483800" r:id="rId8"/>
+    <p:sldLayoutId id="2147483801" r:id="rId9"/>
+    <p:sldLayoutId id="2147483802" r:id="rId10"/>
+    <p:sldLayoutId id="2147483803" r:id="rId11"/>
   </p:sldLayoutIdLst>
   <p:txStyles>
     <p:titleStyle>
@@ -2997,7 +2997,7 @@
         </p:nvSpPr>
         <p:spPr>
           <a:xfrm>
-            <a:off x="3" y="-1"/>
+            <a:off x="4" y="0"/>
             <a:ext cx="1481325" cy="1486463"/>
           </a:xfrm>
           <a:prstGeom prst="rect">
@@ -3060,7 +3060,7 @@
         </p:nvSpPr>
         <p:spPr>
           <a:xfrm>
-            <a:off x="1645920" y="10"/>
+            <a:off x="1645920" y="14"/>
             <a:ext cx="411480" cy="1486463"/>
           </a:xfrm>
           <a:prstGeom prst="rect">
@@ -3120,7 +3120,7 @@
         </p:nvSpPr>
         <p:spPr>
           <a:xfrm>
-            <a:off x="0" y="1645920"/>
+            <a:off x="0" y="1645921"/>
             <a:ext cx="1481324" cy="411480"/>
           </a:xfrm>
           <a:prstGeom prst="rect">
@@ -3180,7 +3180,7 @@
         </p:nvSpPr>
         <p:spPr>
           <a:xfrm>
-            <a:off x="1645920" y="1645920"/>
+            <a:off x="1645920" y="1645921"/>
             <a:ext cx="411480" cy="411480"/>
           </a:xfrm>
           <a:prstGeom prst="rect">
@@ -3240,8 +3240,8 @@
         </p:nvSpPr>
         <p:spPr>
           <a:xfrm>
-            <a:off x="2242248" y="365722"/>
-            <a:ext cx="9148763" cy="1431161"/>
+            <a:off x="2242251" y="365724"/>
+            <a:ext cx="9148763" cy="1463592"/>
           </a:xfrm>
           <a:prstGeom prst="rect">
             <a:avLst/>
@@ -3291,8 +3291,8 @@
         </p:nvSpPr>
         <p:spPr>
           <a:xfrm>
-            <a:off x="9038351" y="365721"/>
-            <a:ext cx="2220481" cy="1431161"/>
+            <a:off x="8989043" y="365723"/>
+            <a:ext cx="2269793" cy="1463592"/>
           </a:xfrm>
           <a:prstGeom prst="rect">
             <a:avLst/>
@@ -3335,8 +3335,8 @@
         </p:nvSpPr>
         <p:spPr>
           <a:xfrm>
-            <a:off x="178570" y="112288"/>
-            <a:ext cx="1136851" cy="1261884"/>
+            <a:off x="155509" y="112290"/>
+            <a:ext cx="1159913" cy="1290215"/>
           </a:xfrm>
           <a:prstGeom prst="rect">
             <a:avLst/>

--- a/docs/source/_static/img/apca_logo.pptx
+++ b/docs/source/_static/img/apca_logo.pptx
@@ -7,7 +7,7 @@
   <p:sldIdLst>
     <p:sldId id="258" r:id="rId2"/>
   </p:sldIdLst>
-  <p:sldSz cx="11155363" cy="2057400"/>
+  <p:sldSz cx="2057400" cy="2057400"/>
   <p:notesSz cx="6858000" cy="9144000"/>
   <p:defaultTextStyle>
     <a:defPPr>
@@ -141,15 +141,15 @@
         </p:nvSpPr>
         <p:spPr>
           <a:xfrm>
-            <a:off x="1394421" y="336709"/>
-            <a:ext cx="8366522" cy="716280"/>
+            <a:off x="154305" y="336709"/>
+            <a:ext cx="1748790" cy="716280"/>
           </a:xfrm>
         </p:spPr>
         <p:txBody>
           <a:bodyPr anchor="b"/>
           <a:lstStyle>
             <a:lvl1pPr algn="ctr">
-              <a:defRPr sz="1800"/>
+              <a:defRPr sz="1350"/>
             </a:lvl1pPr>
           </a:lstStyle>
           <a:p>
@@ -173,8 +173,8 @@
         </p:nvSpPr>
         <p:spPr>
           <a:xfrm>
-            <a:off x="1394421" y="1080611"/>
-            <a:ext cx="8366522" cy="496729"/>
+            <a:off x="257175" y="1080611"/>
+            <a:ext cx="1543050" cy="496729"/>
           </a:xfrm>
         </p:spPr>
         <p:txBody>
@@ -182,39 +182,39 @@
           <a:lstStyle>
             <a:lvl1pPr marL="0" indent="0" algn="ctr">
               <a:buNone/>
-              <a:defRPr sz="720"/>
+              <a:defRPr sz="540"/>
             </a:lvl1pPr>
-            <a:lvl2pPr marL="137160" indent="0" algn="ctr">
-              <a:buNone/>
-              <a:defRPr sz="600"/>
+            <a:lvl2pPr marL="102870" indent="0" algn="ctr">
+              <a:buNone/>
+              <a:defRPr sz="450"/>
             </a:lvl2pPr>
-            <a:lvl3pPr marL="274320" indent="0" algn="ctr">
-              <a:buNone/>
-              <a:defRPr sz="540"/>
+            <a:lvl3pPr marL="205740" indent="0" algn="ctr">
+              <a:buNone/>
+              <a:defRPr sz="405"/>
             </a:lvl3pPr>
-            <a:lvl4pPr marL="411480" indent="0" algn="ctr">
-              <a:buNone/>
-              <a:defRPr sz="480"/>
+            <a:lvl4pPr marL="308610" indent="0" algn="ctr">
+              <a:buNone/>
+              <a:defRPr sz="360"/>
             </a:lvl4pPr>
-            <a:lvl5pPr marL="548640" indent="0" algn="ctr">
-              <a:buNone/>
-              <a:defRPr sz="480"/>
+            <a:lvl5pPr marL="411480" indent="0" algn="ctr">
+              <a:buNone/>
+              <a:defRPr sz="360"/>
             </a:lvl5pPr>
-            <a:lvl6pPr marL="685800" indent="0" algn="ctr">
-              <a:buNone/>
-              <a:defRPr sz="480"/>
+            <a:lvl6pPr marL="514350" indent="0" algn="ctr">
+              <a:buNone/>
+              <a:defRPr sz="360"/>
             </a:lvl6pPr>
-            <a:lvl7pPr marL="822960" indent="0" algn="ctr">
-              <a:buNone/>
-              <a:defRPr sz="480"/>
+            <a:lvl7pPr marL="617220" indent="0" algn="ctr">
+              <a:buNone/>
+              <a:defRPr sz="360"/>
             </a:lvl7pPr>
-            <a:lvl8pPr marL="960120" indent="0" algn="ctr">
-              <a:buNone/>
-              <a:defRPr sz="480"/>
+            <a:lvl8pPr marL="720090" indent="0" algn="ctr">
+              <a:buNone/>
+              <a:defRPr sz="360"/>
             </a:lvl8pPr>
-            <a:lvl9pPr marL="1097280" indent="0" algn="ctr">
-              <a:buNone/>
-              <a:defRPr sz="480"/>
+            <a:lvl9pPr marL="822960" indent="0" algn="ctr">
+              <a:buNone/>
+              <a:defRPr sz="360"/>
             </a:lvl9pPr>
           </a:lstStyle>
           <a:p>
@@ -243,7 +243,7 @@
           <a:p>
             <a:fld id="{DEB3EFF7-52A9-4638-A54C-784ED58FA77B}" type="datetimeFigureOut">
               <a:rPr lang="en-US" smtClean="0"/>
-              <a:t>6/3/2021</a:t>
+              <a:t>6/5/2021</a:t>
             </a:fld>
             <a:endParaRPr lang="en-US"/>
           </a:p>
@@ -294,7 +294,7 @@
     </p:spTree>
     <p:extLst>
       <p:ext uri="{BB962C8B-B14F-4D97-AF65-F5344CB8AC3E}">
-        <p14:creationId xmlns:p14="http://schemas.microsoft.com/office/powerpoint/2010/main" val="3489819622"/>
+        <p14:creationId xmlns:p14="http://schemas.microsoft.com/office/powerpoint/2010/main" val="4149476067"/>
       </p:ext>
     </p:extLst>
   </p:cSld>
@@ -413,7 +413,7 @@
           <a:p>
             <a:fld id="{DEB3EFF7-52A9-4638-A54C-784ED58FA77B}" type="datetimeFigureOut">
               <a:rPr lang="en-US" smtClean="0"/>
-              <a:t>6/3/2021</a:t>
+              <a:t>6/5/2021</a:t>
             </a:fld>
             <a:endParaRPr lang="en-US"/>
           </a:p>
@@ -464,7 +464,7 @@
     </p:spTree>
     <p:extLst>
       <p:ext uri="{BB962C8B-B14F-4D97-AF65-F5344CB8AC3E}">
-        <p14:creationId xmlns:p14="http://schemas.microsoft.com/office/powerpoint/2010/main" val="3421785450"/>
+        <p14:creationId xmlns:p14="http://schemas.microsoft.com/office/powerpoint/2010/main" val="380985426"/>
       </p:ext>
     </p:extLst>
   </p:cSld>
@@ -503,8 +503,8 @@
         </p:nvSpPr>
         <p:spPr>
           <a:xfrm>
-            <a:off x="7983057" y="109538"/>
-            <a:ext cx="2405375" cy="1743551"/>
+            <a:off x="1472327" y="109538"/>
+            <a:ext cx="443627" cy="1743551"/>
           </a:xfrm>
         </p:spPr>
         <p:txBody>
@@ -531,8 +531,8 @@
         </p:nvSpPr>
         <p:spPr>
           <a:xfrm>
-            <a:off x="766931" y="109538"/>
-            <a:ext cx="7076683" cy="1743551"/>
+            <a:off x="141446" y="109538"/>
+            <a:ext cx="1305163" cy="1743551"/>
           </a:xfrm>
         </p:spPr>
         <p:txBody>
@@ -593,7 +593,7 @@
           <a:p>
             <a:fld id="{DEB3EFF7-52A9-4638-A54C-784ED58FA77B}" type="datetimeFigureOut">
               <a:rPr lang="en-US" smtClean="0"/>
-              <a:t>6/3/2021</a:t>
+              <a:t>6/5/2021</a:t>
             </a:fld>
             <a:endParaRPr lang="en-US"/>
           </a:p>
@@ -644,7 +644,7 @@
     </p:spTree>
     <p:extLst>
       <p:ext uri="{BB962C8B-B14F-4D97-AF65-F5344CB8AC3E}">
-        <p14:creationId xmlns:p14="http://schemas.microsoft.com/office/powerpoint/2010/main" val="695722427"/>
+        <p14:creationId xmlns:p14="http://schemas.microsoft.com/office/powerpoint/2010/main" val="3792426704"/>
       </p:ext>
     </p:extLst>
   </p:cSld>
@@ -763,7 +763,7 @@
           <a:p>
             <a:fld id="{DEB3EFF7-52A9-4638-A54C-784ED58FA77B}" type="datetimeFigureOut">
               <a:rPr lang="en-US" smtClean="0"/>
-              <a:t>6/3/2021</a:t>
+              <a:t>6/5/2021</a:t>
             </a:fld>
             <a:endParaRPr lang="en-US"/>
           </a:p>
@@ -814,7 +814,7 @@
     </p:spTree>
     <p:extLst>
       <p:ext uri="{BB962C8B-B14F-4D97-AF65-F5344CB8AC3E}">
-        <p14:creationId xmlns:p14="http://schemas.microsoft.com/office/powerpoint/2010/main" val="2394468918"/>
+        <p14:creationId xmlns:p14="http://schemas.microsoft.com/office/powerpoint/2010/main" val="3616478654"/>
       </p:ext>
     </p:extLst>
   </p:cSld>
@@ -853,15 +853,15 @@
         </p:nvSpPr>
         <p:spPr>
           <a:xfrm>
-            <a:off x="761121" y="512922"/>
-            <a:ext cx="9621501" cy="855821"/>
+            <a:off x="140375" y="512922"/>
+            <a:ext cx="1774508" cy="855821"/>
           </a:xfrm>
         </p:spPr>
         <p:txBody>
           <a:bodyPr anchor="b"/>
           <a:lstStyle>
             <a:lvl1pPr>
-              <a:defRPr sz="1800"/>
+              <a:defRPr sz="1350"/>
             </a:lvl1pPr>
           </a:lstStyle>
           <a:p>
@@ -885,8 +885,8 @@
         </p:nvSpPr>
         <p:spPr>
           <a:xfrm>
-            <a:off x="761121" y="1376839"/>
-            <a:ext cx="9621501" cy="450056"/>
+            <a:off x="140375" y="1376839"/>
+            <a:ext cx="1774508" cy="450056"/>
           </a:xfrm>
         </p:spPr>
         <p:txBody>
@@ -894,17 +894,15 @@
           <a:lstStyle>
             <a:lvl1pPr marL="0" indent="0">
               <a:buNone/>
-              <a:defRPr sz="720">
+              <a:defRPr sz="540">
                 <a:solidFill>
-                  <a:schemeClr val="tx1">
-                    <a:tint val="75000"/>
-                  </a:schemeClr>
+                  <a:schemeClr val="tx1"/>
                 </a:solidFill>
               </a:defRPr>
             </a:lvl1pPr>
-            <a:lvl2pPr marL="137160" indent="0">
-              <a:buNone/>
-              <a:defRPr sz="600">
+            <a:lvl2pPr marL="102870" indent="0">
+              <a:buNone/>
+              <a:defRPr sz="450">
                 <a:solidFill>
                   <a:schemeClr val="tx1">
                     <a:tint val="75000"/>
@@ -912,9 +910,9 @@
                 </a:solidFill>
               </a:defRPr>
             </a:lvl2pPr>
-            <a:lvl3pPr marL="274320" indent="0">
-              <a:buNone/>
-              <a:defRPr sz="540">
+            <a:lvl3pPr marL="205740" indent="0">
+              <a:buNone/>
+              <a:defRPr sz="405">
                 <a:solidFill>
                   <a:schemeClr val="tx1">
                     <a:tint val="75000"/>
@@ -922,9 +920,9 @@
                 </a:solidFill>
               </a:defRPr>
             </a:lvl3pPr>
-            <a:lvl4pPr marL="411480" indent="0">
-              <a:buNone/>
-              <a:defRPr sz="480">
+            <a:lvl4pPr marL="308610" indent="0">
+              <a:buNone/>
+              <a:defRPr sz="360">
                 <a:solidFill>
                   <a:schemeClr val="tx1">
                     <a:tint val="75000"/>
@@ -932,9 +930,9 @@
                 </a:solidFill>
               </a:defRPr>
             </a:lvl4pPr>
-            <a:lvl5pPr marL="548640" indent="0">
-              <a:buNone/>
-              <a:defRPr sz="480">
+            <a:lvl5pPr marL="411480" indent="0">
+              <a:buNone/>
+              <a:defRPr sz="360">
                 <a:solidFill>
                   <a:schemeClr val="tx1">
                     <a:tint val="75000"/>
@@ -942,9 +940,9 @@
                 </a:solidFill>
               </a:defRPr>
             </a:lvl5pPr>
-            <a:lvl6pPr marL="685800" indent="0">
-              <a:buNone/>
-              <a:defRPr sz="480">
+            <a:lvl6pPr marL="514350" indent="0">
+              <a:buNone/>
+              <a:defRPr sz="360">
                 <a:solidFill>
                   <a:schemeClr val="tx1">
                     <a:tint val="75000"/>
@@ -952,9 +950,9 @@
                 </a:solidFill>
               </a:defRPr>
             </a:lvl6pPr>
-            <a:lvl7pPr marL="822960" indent="0">
-              <a:buNone/>
-              <a:defRPr sz="480">
+            <a:lvl7pPr marL="617220" indent="0">
+              <a:buNone/>
+              <a:defRPr sz="360">
                 <a:solidFill>
                   <a:schemeClr val="tx1">
                     <a:tint val="75000"/>
@@ -962,9 +960,9 @@
                 </a:solidFill>
               </a:defRPr>
             </a:lvl7pPr>
-            <a:lvl8pPr marL="960120" indent="0">
-              <a:buNone/>
-              <a:defRPr sz="480">
+            <a:lvl8pPr marL="720090" indent="0">
+              <a:buNone/>
+              <a:defRPr sz="360">
                 <a:solidFill>
                   <a:schemeClr val="tx1">
                     <a:tint val="75000"/>
@@ -972,9 +970,9 @@
                 </a:solidFill>
               </a:defRPr>
             </a:lvl8pPr>
-            <a:lvl9pPr marL="1097280" indent="0">
-              <a:buNone/>
-              <a:defRPr sz="480">
+            <a:lvl9pPr marL="822960" indent="0">
+              <a:buNone/>
+              <a:defRPr sz="360">
                 <a:solidFill>
                   <a:schemeClr val="tx1">
                     <a:tint val="75000"/>
@@ -1009,7 +1007,7 @@
           <a:p>
             <a:fld id="{DEB3EFF7-52A9-4638-A54C-784ED58FA77B}" type="datetimeFigureOut">
               <a:rPr lang="en-US" smtClean="0"/>
-              <a:t>6/3/2021</a:t>
+              <a:t>6/5/2021</a:t>
             </a:fld>
             <a:endParaRPr lang="en-US"/>
           </a:p>
@@ -1060,7 +1058,7 @@
     </p:spTree>
     <p:extLst>
       <p:ext uri="{BB962C8B-B14F-4D97-AF65-F5344CB8AC3E}">
-        <p14:creationId xmlns:p14="http://schemas.microsoft.com/office/powerpoint/2010/main" val="3781247867"/>
+        <p14:creationId xmlns:p14="http://schemas.microsoft.com/office/powerpoint/2010/main" val="2350149499"/>
       </p:ext>
     </p:extLst>
   </p:cSld>
@@ -1122,8 +1120,8 @@
         </p:nvSpPr>
         <p:spPr>
           <a:xfrm>
-            <a:off x="766931" y="547688"/>
-            <a:ext cx="4741029" cy="1305401"/>
+            <a:off x="141446" y="547688"/>
+            <a:ext cx="874395" cy="1305401"/>
           </a:xfrm>
         </p:spPr>
         <p:txBody>
@@ -1179,8 +1177,8 @@
         </p:nvSpPr>
         <p:spPr>
           <a:xfrm>
-            <a:off x="5647403" y="547688"/>
-            <a:ext cx="4741029" cy="1305401"/>
+            <a:off x="1041559" y="547688"/>
+            <a:ext cx="874395" cy="1305401"/>
           </a:xfrm>
         </p:spPr>
         <p:txBody>
@@ -1241,7 +1239,7 @@
           <a:p>
             <a:fld id="{DEB3EFF7-52A9-4638-A54C-784ED58FA77B}" type="datetimeFigureOut">
               <a:rPr lang="en-US" smtClean="0"/>
-              <a:t>6/3/2021</a:t>
+              <a:t>6/5/2021</a:t>
             </a:fld>
             <a:endParaRPr lang="en-US"/>
           </a:p>
@@ -1292,7 +1290,7 @@
     </p:spTree>
     <p:extLst>
       <p:ext uri="{BB962C8B-B14F-4D97-AF65-F5344CB8AC3E}">
-        <p14:creationId xmlns:p14="http://schemas.microsoft.com/office/powerpoint/2010/main" val="2646213548"/>
+        <p14:creationId xmlns:p14="http://schemas.microsoft.com/office/powerpoint/2010/main" val="2737669224"/>
       </p:ext>
     </p:extLst>
   </p:cSld>
@@ -1331,8 +1329,8 @@
         </p:nvSpPr>
         <p:spPr>
           <a:xfrm>
-            <a:off x="768384" y="109538"/>
-            <a:ext cx="9621501" cy="397669"/>
+            <a:off x="141714" y="109538"/>
+            <a:ext cx="1774508" cy="397669"/>
           </a:xfrm>
         </p:spPr>
         <p:txBody>
@@ -1359,8 +1357,8 @@
         </p:nvSpPr>
         <p:spPr>
           <a:xfrm>
-            <a:off x="768385" y="504349"/>
-            <a:ext cx="4719241" cy="247174"/>
+            <a:off x="141714" y="504349"/>
+            <a:ext cx="870377" cy="247174"/>
           </a:xfrm>
         </p:spPr>
         <p:txBody>
@@ -1368,39 +1366,39 @@
           <a:lstStyle>
             <a:lvl1pPr marL="0" indent="0">
               <a:buNone/>
-              <a:defRPr sz="720" b="1"/>
+              <a:defRPr sz="540" b="1"/>
             </a:lvl1pPr>
-            <a:lvl2pPr marL="137160" indent="0">
-              <a:buNone/>
-              <a:defRPr sz="600" b="1"/>
+            <a:lvl2pPr marL="102870" indent="0">
+              <a:buNone/>
+              <a:defRPr sz="450" b="1"/>
             </a:lvl2pPr>
-            <a:lvl3pPr marL="274320" indent="0">
-              <a:buNone/>
-              <a:defRPr sz="540" b="1"/>
+            <a:lvl3pPr marL="205740" indent="0">
+              <a:buNone/>
+              <a:defRPr sz="405" b="1"/>
             </a:lvl3pPr>
-            <a:lvl4pPr marL="411480" indent="0">
-              <a:buNone/>
-              <a:defRPr sz="480" b="1"/>
+            <a:lvl4pPr marL="308610" indent="0">
+              <a:buNone/>
+              <a:defRPr sz="360" b="1"/>
             </a:lvl4pPr>
-            <a:lvl5pPr marL="548640" indent="0">
-              <a:buNone/>
-              <a:defRPr sz="480" b="1"/>
+            <a:lvl5pPr marL="411480" indent="0">
+              <a:buNone/>
+              <a:defRPr sz="360" b="1"/>
             </a:lvl5pPr>
-            <a:lvl6pPr marL="685800" indent="0">
-              <a:buNone/>
-              <a:defRPr sz="480" b="1"/>
+            <a:lvl6pPr marL="514350" indent="0">
+              <a:buNone/>
+              <a:defRPr sz="360" b="1"/>
             </a:lvl6pPr>
-            <a:lvl7pPr marL="822960" indent="0">
-              <a:buNone/>
-              <a:defRPr sz="480" b="1"/>
+            <a:lvl7pPr marL="617220" indent="0">
+              <a:buNone/>
+              <a:defRPr sz="360" b="1"/>
             </a:lvl7pPr>
-            <a:lvl8pPr marL="960120" indent="0">
-              <a:buNone/>
-              <a:defRPr sz="480" b="1"/>
+            <a:lvl8pPr marL="720090" indent="0">
+              <a:buNone/>
+              <a:defRPr sz="360" b="1"/>
             </a:lvl8pPr>
-            <a:lvl9pPr marL="1097280" indent="0">
-              <a:buNone/>
-              <a:defRPr sz="480" b="1"/>
+            <a:lvl9pPr marL="822960" indent="0">
+              <a:buNone/>
+              <a:defRPr sz="360" b="1"/>
             </a:lvl9pPr>
           </a:lstStyle>
           <a:p>
@@ -1424,8 +1422,8 @@
         </p:nvSpPr>
         <p:spPr>
           <a:xfrm>
-            <a:off x="768385" y="751523"/>
-            <a:ext cx="4719241" cy="1105376"/>
+            <a:off x="141714" y="751523"/>
+            <a:ext cx="870377" cy="1105376"/>
           </a:xfrm>
         </p:spPr>
         <p:txBody>
@@ -1481,8 +1479,8 @@
         </p:nvSpPr>
         <p:spPr>
           <a:xfrm>
-            <a:off x="5647403" y="504349"/>
-            <a:ext cx="4742482" cy="247174"/>
+            <a:off x="1041559" y="504349"/>
+            <a:ext cx="874663" cy="247174"/>
           </a:xfrm>
         </p:spPr>
         <p:txBody>
@@ -1490,39 +1488,39 @@
           <a:lstStyle>
             <a:lvl1pPr marL="0" indent="0">
               <a:buNone/>
-              <a:defRPr sz="720" b="1"/>
+              <a:defRPr sz="540" b="1"/>
             </a:lvl1pPr>
-            <a:lvl2pPr marL="137160" indent="0">
-              <a:buNone/>
-              <a:defRPr sz="600" b="1"/>
+            <a:lvl2pPr marL="102870" indent="0">
+              <a:buNone/>
+              <a:defRPr sz="450" b="1"/>
             </a:lvl2pPr>
-            <a:lvl3pPr marL="274320" indent="0">
-              <a:buNone/>
-              <a:defRPr sz="540" b="1"/>
+            <a:lvl3pPr marL="205740" indent="0">
+              <a:buNone/>
+              <a:defRPr sz="405" b="1"/>
             </a:lvl3pPr>
-            <a:lvl4pPr marL="411480" indent="0">
-              <a:buNone/>
-              <a:defRPr sz="480" b="1"/>
+            <a:lvl4pPr marL="308610" indent="0">
+              <a:buNone/>
+              <a:defRPr sz="360" b="1"/>
             </a:lvl4pPr>
-            <a:lvl5pPr marL="548640" indent="0">
-              <a:buNone/>
-              <a:defRPr sz="480" b="1"/>
+            <a:lvl5pPr marL="411480" indent="0">
+              <a:buNone/>
+              <a:defRPr sz="360" b="1"/>
             </a:lvl5pPr>
-            <a:lvl6pPr marL="685800" indent="0">
-              <a:buNone/>
-              <a:defRPr sz="480" b="1"/>
+            <a:lvl6pPr marL="514350" indent="0">
+              <a:buNone/>
+              <a:defRPr sz="360" b="1"/>
             </a:lvl6pPr>
-            <a:lvl7pPr marL="822960" indent="0">
-              <a:buNone/>
-              <a:defRPr sz="480" b="1"/>
+            <a:lvl7pPr marL="617220" indent="0">
+              <a:buNone/>
+              <a:defRPr sz="360" b="1"/>
             </a:lvl7pPr>
-            <a:lvl8pPr marL="960120" indent="0">
-              <a:buNone/>
-              <a:defRPr sz="480" b="1"/>
+            <a:lvl8pPr marL="720090" indent="0">
+              <a:buNone/>
+              <a:defRPr sz="360" b="1"/>
             </a:lvl8pPr>
-            <a:lvl9pPr marL="1097280" indent="0">
-              <a:buNone/>
-              <a:defRPr sz="480" b="1"/>
+            <a:lvl9pPr marL="822960" indent="0">
+              <a:buNone/>
+              <a:defRPr sz="360" b="1"/>
             </a:lvl9pPr>
           </a:lstStyle>
           <a:p>
@@ -1546,8 +1544,8 @@
         </p:nvSpPr>
         <p:spPr>
           <a:xfrm>
-            <a:off x="5647403" y="751523"/>
-            <a:ext cx="4742482" cy="1105376"/>
+            <a:off x="1041559" y="751523"/>
+            <a:ext cx="874663" cy="1105376"/>
           </a:xfrm>
         </p:spPr>
         <p:txBody>
@@ -1608,7 +1606,7 @@
           <a:p>
             <a:fld id="{DEB3EFF7-52A9-4638-A54C-784ED58FA77B}" type="datetimeFigureOut">
               <a:rPr lang="en-US" smtClean="0"/>
-              <a:t>6/3/2021</a:t>
+              <a:t>6/5/2021</a:t>
             </a:fld>
             <a:endParaRPr lang="en-US"/>
           </a:p>
@@ -1659,7 +1657,7 @@
     </p:spTree>
     <p:extLst>
       <p:ext uri="{BB962C8B-B14F-4D97-AF65-F5344CB8AC3E}">
-        <p14:creationId xmlns:p14="http://schemas.microsoft.com/office/powerpoint/2010/main" val="516786416"/>
+        <p14:creationId xmlns:p14="http://schemas.microsoft.com/office/powerpoint/2010/main" val="3083311028"/>
       </p:ext>
     </p:extLst>
   </p:cSld>
@@ -1726,7 +1724,7 @@
           <a:p>
             <a:fld id="{DEB3EFF7-52A9-4638-A54C-784ED58FA77B}" type="datetimeFigureOut">
               <a:rPr lang="en-US" smtClean="0"/>
-              <a:t>6/3/2021</a:t>
+              <a:t>6/5/2021</a:t>
             </a:fld>
             <a:endParaRPr lang="en-US"/>
           </a:p>
@@ -1777,7 +1775,7 @@
     </p:spTree>
     <p:extLst>
       <p:ext uri="{BB962C8B-B14F-4D97-AF65-F5344CB8AC3E}">
-        <p14:creationId xmlns:p14="http://schemas.microsoft.com/office/powerpoint/2010/main" val="641248492"/>
+        <p14:creationId xmlns:p14="http://schemas.microsoft.com/office/powerpoint/2010/main" val="4257789361"/>
       </p:ext>
     </p:extLst>
   </p:cSld>
@@ -1821,7 +1819,7 @@
           <a:p>
             <a:fld id="{DEB3EFF7-52A9-4638-A54C-784ED58FA77B}" type="datetimeFigureOut">
               <a:rPr lang="en-US" smtClean="0"/>
-              <a:t>6/3/2021</a:t>
+              <a:t>6/5/2021</a:t>
             </a:fld>
             <a:endParaRPr lang="en-US"/>
           </a:p>
@@ -1872,7 +1870,7 @@
     </p:spTree>
     <p:extLst>
       <p:ext uri="{BB962C8B-B14F-4D97-AF65-F5344CB8AC3E}">
-        <p14:creationId xmlns:p14="http://schemas.microsoft.com/office/powerpoint/2010/main" val="1509447988"/>
+        <p14:creationId xmlns:p14="http://schemas.microsoft.com/office/powerpoint/2010/main" val="588781736"/>
       </p:ext>
     </p:extLst>
   </p:cSld>
@@ -1911,15 +1909,15 @@
         </p:nvSpPr>
         <p:spPr>
           <a:xfrm>
-            <a:off x="768384" y="137160"/>
-            <a:ext cx="3597895" cy="480060"/>
+            <a:off x="141714" y="137160"/>
+            <a:ext cx="663565" cy="480060"/>
           </a:xfrm>
         </p:spPr>
         <p:txBody>
           <a:bodyPr anchor="b"/>
           <a:lstStyle>
             <a:lvl1pPr>
-              <a:defRPr sz="960"/>
+              <a:defRPr sz="720"/>
             </a:lvl1pPr>
           </a:lstStyle>
           <a:p>
@@ -1943,39 +1941,39 @@
         </p:nvSpPr>
         <p:spPr>
           <a:xfrm>
-            <a:off x="4742482" y="296227"/>
-            <a:ext cx="5647403" cy="1462088"/>
+            <a:off x="874663" y="296228"/>
+            <a:ext cx="1041559" cy="1462088"/>
           </a:xfrm>
         </p:spPr>
         <p:txBody>
           <a:bodyPr/>
           <a:lstStyle>
             <a:lvl1pPr>
-              <a:defRPr sz="960"/>
+              <a:defRPr sz="720"/>
             </a:lvl1pPr>
             <a:lvl2pPr>
-              <a:defRPr sz="840"/>
+              <a:defRPr sz="630"/>
             </a:lvl2pPr>
             <a:lvl3pPr>
-              <a:defRPr sz="720"/>
+              <a:defRPr sz="540"/>
             </a:lvl3pPr>
             <a:lvl4pPr>
-              <a:defRPr sz="600"/>
+              <a:defRPr sz="450"/>
             </a:lvl4pPr>
             <a:lvl5pPr>
-              <a:defRPr sz="600"/>
+              <a:defRPr sz="450"/>
             </a:lvl5pPr>
             <a:lvl6pPr>
-              <a:defRPr sz="600"/>
+              <a:defRPr sz="450"/>
             </a:lvl6pPr>
             <a:lvl7pPr>
-              <a:defRPr sz="600"/>
+              <a:defRPr sz="450"/>
             </a:lvl7pPr>
             <a:lvl8pPr>
-              <a:defRPr sz="600"/>
+              <a:defRPr sz="450"/>
             </a:lvl8pPr>
             <a:lvl9pPr>
-              <a:defRPr sz="600"/>
+              <a:defRPr sz="450"/>
             </a:lvl9pPr>
           </a:lstStyle>
           <a:p>
@@ -2028,8 +2026,8 @@
         </p:nvSpPr>
         <p:spPr>
           <a:xfrm>
-            <a:off x="768384" y="617220"/>
-            <a:ext cx="3597895" cy="1143476"/>
+            <a:off x="141714" y="617220"/>
+            <a:ext cx="663565" cy="1143476"/>
           </a:xfrm>
         </p:spPr>
         <p:txBody>
@@ -2037,39 +2035,39 @@
           <a:lstStyle>
             <a:lvl1pPr marL="0" indent="0">
               <a:buNone/>
-              <a:defRPr sz="480"/>
+              <a:defRPr sz="360"/>
             </a:lvl1pPr>
-            <a:lvl2pPr marL="137160" indent="0">
-              <a:buNone/>
-              <a:defRPr sz="420"/>
+            <a:lvl2pPr marL="102870" indent="0">
+              <a:buNone/>
+              <a:defRPr sz="315"/>
             </a:lvl2pPr>
-            <a:lvl3pPr marL="274320" indent="0">
-              <a:buNone/>
-              <a:defRPr sz="360"/>
+            <a:lvl3pPr marL="205740" indent="0">
+              <a:buNone/>
+              <a:defRPr sz="270"/>
             </a:lvl3pPr>
-            <a:lvl4pPr marL="411480" indent="0">
-              <a:buNone/>
-              <a:defRPr sz="300"/>
+            <a:lvl4pPr marL="308610" indent="0">
+              <a:buNone/>
+              <a:defRPr sz="225"/>
             </a:lvl4pPr>
-            <a:lvl5pPr marL="548640" indent="0">
-              <a:buNone/>
-              <a:defRPr sz="300"/>
+            <a:lvl5pPr marL="411480" indent="0">
+              <a:buNone/>
+              <a:defRPr sz="225"/>
             </a:lvl5pPr>
-            <a:lvl6pPr marL="685800" indent="0">
-              <a:buNone/>
-              <a:defRPr sz="300"/>
+            <a:lvl6pPr marL="514350" indent="0">
+              <a:buNone/>
+              <a:defRPr sz="225"/>
             </a:lvl6pPr>
-            <a:lvl7pPr marL="822960" indent="0">
-              <a:buNone/>
-              <a:defRPr sz="300"/>
+            <a:lvl7pPr marL="617220" indent="0">
+              <a:buNone/>
+              <a:defRPr sz="225"/>
             </a:lvl7pPr>
-            <a:lvl8pPr marL="960120" indent="0">
-              <a:buNone/>
-              <a:defRPr sz="300"/>
+            <a:lvl8pPr marL="720090" indent="0">
+              <a:buNone/>
+              <a:defRPr sz="225"/>
             </a:lvl8pPr>
-            <a:lvl9pPr marL="1097280" indent="0">
-              <a:buNone/>
-              <a:defRPr sz="300"/>
+            <a:lvl9pPr marL="822960" indent="0">
+              <a:buNone/>
+              <a:defRPr sz="225"/>
             </a:lvl9pPr>
           </a:lstStyle>
           <a:p>
@@ -2098,7 +2096,7 @@
           <a:p>
             <a:fld id="{DEB3EFF7-52A9-4638-A54C-784ED58FA77B}" type="datetimeFigureOut">
               <a:rPr lang="en-US" smtClean="0"/>
-              <a:t>6/3/2021</a:t>
+              <a:t>6/5/2021</a:t>
             </a:fld>
             <a:endParaRPr lang="en-US"/>
           </a:p>
@@ -2149,7 +2147,7 @@
     </p:spTree>
     <p:extLst>
       <p:ext uri="{BB962C8B-B14F-4D97-AF65-F5344CB8AC3E}">
-        <p14:creationId xmlns:p14="http://schemas.microsoft.com/office/powerpoint/2010/main" val="3470195823"/>
+        <p14:creationId xmlns:p14="http://schemas.microsoft.com/office/powerpoint/2010/main" val="2394634982"/>
       </p:ext>
     </p:extLst>
   </p:cSld>
@@ -2188,15 +2186,15 @@
         </p:nvSpPr>
         <p:spPr>
           <a:xfrm>
-            <a:off x="768384" y="137160"/>
-            <a:ext cx="3597895" cy="480060"/>
+            <a:off x="141714" y="137160"/>
+            <a:ext cx="663565" cy="480060"/>
           </a:xfrm>
         </p:spPr>
         <p:txBody>
           <a:bodyPr anchor="b"/>
           <a:lstStyle>
             <a:lvl1pPr>
-              <a:defRPr sz="960"/>
+              <a:defRPr sz="720"/>
             </a:lvl1pPr>
           </a:lstStyle>
           <a:p>
@@ -2220,8 +2218,8 @@
         </p:nvSpPr>
         <p:spPr>
           <a:xfrm>
-            <a:off x="4742482" y="296227"/>
-            <a:ext cx="5647403" cy="1462088"/>
+            <a:off x="874663" y="296228"/>
+            <a:ext cx="1041559" cy="1462088"/>
           </a:xfrm>
         </p:spPr>
         <p:txBody>
@@ -2229,39 +2227,39 @@
           <a:lstStyle>
             <a:lvl1pPr marL="0" indent="0">
               <a:buNone/>
-              <a:defRPr sz="960"/>
+              <a:defRPr sz="720"/>
             </a:lvl1pPr>
-            <a:lvl2pPr marL="137160" indent="0">
-              <a:buNone/>
-              <a:defRPr sz="840"/>
+            <a:lvl2pPr marL="102870" indent="0">
+              <a:buNone/>
+              <a:defRPr sz="630"/>
             </a:lvl2pPr>
-            <a:lvl3pPr marL="274320" indent="0">
-              <a:buNone/>
-              <a:defRPr sz="720"/>
+            <a:lvl3pPr marL="205740" indent="0">
+              <a:buNone/>
+              <a:defRPr sz="540"/>
             </a:lvl3pPr>
-            <a:lvl4pPr marL="411480" indent="0">
-              <a:buNone/>
-              <a:defRPr sz="600"/>
+            <a:lvl4pPr marL="308610" indent="0">
+              <a:buNone/>
+              <a:defRPr sz="450"/>
             </a:lvl4pPr>
-            <a:lvl5pPr marL="548640" indent="0">
-              <a:buNone/>
-              <a:defRPr sz="600"/>
+            <a:lvl5pPr marL="411480" indent="0">
+              <a:buNone/>
+              <a:defRPr sz="450"/>
             </a:lvl5pPr>
-            <a:lvl6pPr marL="685800" indent="0">
-              <a:buNone/>
-              <a:defRPr sz="600"/>
+            <a:lvl6pPr marL="514350" indent="0">
+              <a:buNone/>
+              <a:defRPr sz="450"/>
             </a:lvl6pPr>
-            <a:lvl7pPr marL="822960" indent="0">
-              <a:buNone/>
-              <a:defRPr sz="600"/>
+            <a:lvl7pPr marL="617220" indent="0">
+              <a:buNone/>
+              <a:defRPr sz="450"/>
             </a:lvl7pPr>
-            <a:lvl8pPr marL="960120" indent="0">
-              <a:buNone/>
-              <a:defRPr sz="600"/>
+            <a:lvl8pPr marL="720090" indent="0">
+              <a:buNone/>
+              <a:defRPr sz="450"/>
             </a:lvl8pPr>
-            <a:lvl9pPr marL="1097280" indent="0">
-              <a:buNone/>
-              <a:defRPr sz="600"/>
+            <a:lvl9pPr marL="822960" indent="0">
+              <a:buNone/>
+              <a:defRPr sz="450"/>
             </a:lvl9pPr>
           </a:lstStyle>
           <a:p>
@@ -2285,8 +2283,8 @@
         </p:nvSpPr>
         <p:spPr>
           <a:xfrm>
-            <a:off x="768384" y="617220"/>
-            <a:ext cx="3597895" cy="1143476"/>
+            <a:off x="141714" y="617220"/>
+            <a:ext cx="663565" cy="1143476"/>
           </a:xfrm>
         </p:spPr>
         <p:txBody>
@@ -2294,39 +2292,39 @@
           <a:lstStyle>
             <a:lvl1pPr marL="0" indent="0">
               <a:buNone/>
-              <a:defRPr sz="480"/>
+              <a:defRPr sz="360"/>
             </a:lvl1pPr>
-            <a:lvl2pPr marL="137160" indent="0">
-              <a:buNone/>
-              <a:defRPr sz="420"/>
+            <a:lvl2pPr marL="102870" indent="0">
+              <a:buNone/>
+              <a:defRPr sz="315"/>
             </a:lvl2pPr>
-            <a:lvl3pPr marL="274320" indent="0">
-              <a:buNone/>
-              <a:defRPr sz="360"/>
+            <a:lvl3pPr marL="205740" indent="0">
+              <a:buNone/>
+              <a:defRPr sz="270"/>
             </a:lvl3pPr>
-            <a:lvl4pPr marL="411480" indent="0">
-              <a:buNone/>
-              <a:defRPr sz="300"/>
+            <a:lvl4pPr marL="308610" indent="0">
+              <a:buNone/>
+              <a:defRPr sz="225"/>
             </a:lvl4pPr>
-            <a:lvl5pPr marL="548640" indent="0">
-              <a:buNone/>
-              <a:defRPr sz="300"/>
+            <a:lvl5pPr marL="411480" indent="0">
+              <a:buNone/>
+              <a:defRPr sz="225"/>
             </a:lvl5pPr>
-            <a:lvl6pPr marL="685800" indent="0">
-              <a:buNone/>
-              <a:defRPr sz="300"/>
+            <a:lvl6pPr marL="514350" indent="0">
+              <a:buNone/>
+              <a:defRPr sz="225"/>
             </a:lvl6pPr>
-            <a:lvl7pPr marL="822960" indent="0">
-              <a:buNone/>
-              <a:defRPr sz="300"/>
+            <a:lvl7pPr marL="617220" indent="0">
+              <a:buNone/>
+              <a:defRPr sz="225"/>
             </a:lvl7pPr>
-            <a:lvl8pPr marL="960120" indent="0">
-              <a:buNone/>
-              <a:defRPr sz="300"/>
+            <a:lvl8pPr marL="720090" indent="0">
+              <a:buNone/>
+              <a:defRPr sz="225"/>
             </a:lvl8pPr>
-            <a:lvl9pPr marL="1097280" indent="0">
-              <a:buNone/>
-              <a:defRPr sz="300"/>
+            <a:lvl9pPr marL="822960" indent="0">
+              <a:buNone/>
+              <a:defRPr sz="225"/>
             </a:lvl9pPr>
           </a:lstStyle>
           <a:p>
@@ -2355,7 +2353,7 @@
           <a:p>
             <a:fld id="{DEB3EFF7-52A9-4638-A54C-784ED58FA77B}" type="datetimeFigureOut">
               <a:rPr lang="en-US" smtClean="0"/>
-              <a:t>6/3/2021</a:t>
+              <a:t>6/5/2021</a:t>
             </a:fld>
             <a:endParaRPr lang="en-US"/>
           </a:p>
@@ -2406,7 +2404,7 @@
     </p:spTree>
     <p:extLst>
       <p:ext uri="{BB962C8B-B14F-4D97-AF65-F5344CB8AC3E}">
-        <p14:creationId xmlns:p14="http://schemas.microsoft.com/office/powerpoint/2010/main" val="2802036522"/>
+        <p14:creationId xmlns:p14="http://schemas.microsoft.com/office/powerpoint/2010/main" val="1821304042"/>
       </p:ext>
     </p:extLst>
   </p:cSld>
@@ -2450,8 +2448,8 @@
         </p:nvSpPr>
         <p:spPr>
           <a:xfrm>
-            <a:off x="766931" y="109538"/>
-            <a:ext cx="9621501" cy="397669"/>
+            <a:off x="141446" y="109538"/>
+            <a:ext cx="1774508" cy="397669"/>
           </a:xfrm>
           <a:prstGeom prst="rect">
             <a:avLst/>
@@ -2483,8 +2481,8 @@
         </p:nvSpPr>
         <p:spPr>
           <a:xfrm>
-            <a:off x="766931" y="547688"/>
-            <a:ext cx="9621501" cy="1305401"/>
+            <a:off x="141446" y="547688"/>
+            <a:ext cx="1774508" cy="1305401"/>
           </a:xfrm>
           <a:prstGeom prst="rect">
             <a:avLst/>
@@ -2545,8 +2543,8 @@
         </p:nvSpPr>
         <p:spPr>
           <a:xfrm>
-            <a:off x="766931" y="1906905"/>
-            <a:ext cx="2509957" cy="109538"/>
+            <a:off x="141446" y="1906905"/>
+            <a:ext cx="462915" cy="109538"/>
           </a:xfrm>
           <a:prstGeom prst="rect">
             <a:avLst/>
@@ -2556,7 +2554,7 @@
           <a:bodyPr vert="horz" lIns="91440" tIns="45720" rIns="91440" bIns="45720" rtlCol="0" anchor="ctr"/>
           <a:lstStyle>
             <a:lvl1pPr algn="l">
-              <a:defRPr sz="360">
+              <a:defRPr sz="270">
                 <a:solidFill>
                   <a:schemeClr val="tx1">
                     <a:tint val="75000"/>
@@ -2568,7 +2566,7 @@
           <a:p>
             <a:fld id="{DEB3EFF7-52A9-4638-A54C-784ED58FA77B}" type="datetimeFigureOut">
               <a:rPr lang="en-US" smtClean="0"/>
-              <a:t>6/3/2021</a:t>
+              <a:t>6/5/2021</a:t>
             </a:fld>
             <a:endParaRPr lang="en-US"/>
           </a:p>
@@ -2586,8 +2584,8 @@
         </p:nvSpPr>
         <p:spPr>
           <a:xfrm>
-            <a:off x="3695214" y="1906905"/>
-            <a:ext cx="3764935" cy="109538"/>
+            <a:off x="681514" y="1906905"/>
+            <a:ext cx="694373" cy="109538"/>
           </a:xfrm>
           <a:prstGeom prst="rect">
             <a:avLst/>
@@ -2597,7 +2595,7 @@
           <a:bodyPr vert="horz" lIns="91440" tIns="45720" rIns="91440" bIns="45720" rtlCol="0" anchor="ctr"/>
           <a:lstStyle>
             <a:lvl1pPr algn="ctr">
-              <a:defRPr sz="360">
+              <a:defRPr sz="270">
                 <a:solidFill>
                   <a:schemeClr val="tx1">
                     <a:tint val="75000"/>
@@ -2623,8 +2621,8 @@
         </p:nvSpPr>
         <p:spPr>
           <a:xfrm>
-            <a:off x="7878475" y="1906905"/>
-            <a:ext cx="2509957" cy="109538"/>
+            <a:off x="1453039" y="1906905"/>
+            <a:ext cx="462915" cy="109538"/>
           </a:xfrm>
           <a:prstGeom prst="rect">
             <a:avLst/>
@@ -2634,7 +2632,7 @@
           <a:bodyPr vert="horz" lIns="91440" tIns="45720" rIns="91440" bIns="45720" rtlCol="0" anchor="ctr"/>
           <a:lstStyle>
             <a:lvl1pPr algn="r">
-              <a:defRPr sz="360">
+              <a:defRPr sz="270">
                 <a:solidFill>
                   <a:schemeClr val="tx1">
                     <a:tint val="75000"/>
@@ -2655,7 +2653,7 @@
     </p:spTree>
     <p:extLst>
       <p:ext uri="{BB962C8B-B14F-4D97-AF65-F5344CB8AC3E}">
-        <p14:creationId xmlns:p14="http://schemas.microsoft.com/office/powerpoint/2010/main" val="2439935891"/>
+        <p14:creationId xmlns:p14="http://schemas.microsoft.com/office/powerpoint/2010/main" val="530507866"/>
       </p:ext>
     </p:extLst>
   </p:cSld>
@@ -2675,7 +2673,7 @@
   </p:sldLayoutIdLst>
   <p:txStyles>
     <p:titleStyle>
-      <a:lvl1pPr algn="l" defTabSz="274320" rtl="0" eaLnBrk="1" latinLnBrk="0" hangingPunct="1">
+      <a:lvl1pPr algn="l" defTabSz="205740" rtl="0" eaLnBrk="1" latinLnBrk="0" hangingPunct="1">
         <a:lnSpc>
           <a:spcPct val="90000"/>
         </a:lnSpc>
@@ -2683,7 +2681,7 @@
           <a:spcPct val="0"/>
         </a:spcBef>
         <a:buNone/>
-        <a:defRPr sz="1320" kern="1200">
+        <a:defRPr sz="990" kern="1200">
           <a:solidFill>
             <a:schemeClr val="tx1"/>
           </a:solidFill>
@@ -2694,16 +2692,16 @@
       </a:lvl1pPr>
     </p:titleStyle>
     <p:bodyStyle>
-      <a:lvl1pPr marL="68580" indent="-68580" algn="l" defTabSz="274320" rtl="0" eaLnBrk="1" latinLnBrk="0" hangingPunct="1">
+      <a:lvl1pPr marL="51435" indent="-51435" algn="l" defTabSz="205740" rtl="0" eaLnBrk="1" latinLnBrk="0" hangingPunct="1">
         <a:lnSpc>
           <a:spcPct val="90000"/>
         </a:lnSpc>
         <a:spcBef>
-          <a:spcPts val="300"/>
+          <a:spcPts val="225"/>
         </a:spcBef>
         <a:buFont typeface="Arial" panose="020B0604020202020204" pitchFamily="34" charset="0"/>
         <a:buChar char="•"/>
-        <a:defRPr sz="840" kern="1200">
+        <a:defRPr sz="630" kern="1200">
           <a:solidFill>
             <a:schemeClr val="tx1"/>
           </a:solidFill>
@@ -2712,48 +2710,12 @@
           <a:cs typeface="+mn-cs"/>
         </a:defRPr>
       </a:lvl1pPr>
-      <a:lvl2pPr marL="205740" indent="-68580" algn="l" defTabSz="274320" rtl="0" eaLnBrk="1" latinLnBrk="0" hangingPunct="1">
+      <a:lvl2pPr marL="154305" indent="-51435" algn="l" defTabSz="205740" rtl="0" eaLnBrk="1" latinLnBrk="0" hangingPunct="1">
         <a:lnSpc>
           <a:spcPct val="90000"/>
         </a:lnSpc>
         <a:spcBef>
-          <a:spcPts val="150"/>
-        </a:spcBef>
-        <a:buFont typeface="Arial" panose="020B0604020202020204" pitchFamily="34" charset="0"/>
-        <a:buChar char="•"/>
-        <a:defRPr sz="720" kern="1200">
-          <a:solidFill>
-            <a:schemeClr val="tx1"/>
-          </a:solidFill>
-          <a:latin typeface="+mn-lt"/>
-          <a:ea typeface="+mn-ea"/>
-          <a:cs typeface="+mn-cs"/>
-        </a:defRPr>
-      </a:lvl2pPr>
-      <a:lvl3pPr marL="342900" indent="-68580" algn="l" defTabSz="274320" rtl="0" eaLnBrk="1" latinLnBrk="0" hangingPunct="1">
-        <a:lnSpc>
-          <a:spcPct val="90000"/>
-        </a:lnSpc>
-        <a:spcBef>
-          <a:spcPts val="150"/>
-        </a:spcBef>
-        <a:buFont typeface="Arial" panose="020B0604020202020204" pitchFamily="34" charset="0"/>
-        <a:buChar char="•"/>
-        <a:defRPr sz="600" kern="1200">
-          <a:solidFill>
-            <a:schemeClr val="tx1"/>
-          </a:solidFill>
-          <a:latin typeface="+mn-lt"/>
-          <a:ea typeface="+mn-ea"/>
-          <a:cs typeface="+mn-cs"/>
-        </a:defRPr>
-      </a:lvl3pPr>
-      <a:lvl4pPr marL="480060" indent="-68580" algn="l" defTabSz="274320" rtl="0" eaLnBrk="1" latinLnBrk="0" hangingPunct="1">
-        <a:lnSpc>
-          <a:spcPct val="90000"/>
-        </a:lnSpc>
-        <a:spcBef>
-          <a:spcPts val="150"/>
+          <a:spcPts val="113"/>
         </a:spcBef>
         <a:buFont typeface="Arial" panose="020B0604020202020204" pitchFamily="34" charset="0"/>
         <a:buChar char="•"/>
@@ -2765,17 +2727,53 @@
           <a:ea typeface="+mn-ea"/>
           <a:cs typeface="+mn-cs"/>
         </a:defRPr>
-      </a:lvl4pPr>
-      <a:lvl5pPr marL="617220" indent="-68580" algn="l" defTabSz="274320" rtl="0" eaLnBrk="1" latinLnBrk="0" hangingPunct="1">
+      </a:lvl2pPr>
+      <a:lvl3pPr marL="257175" indent="-51435" algn="l" defTabSz="205740" rtl="0" eaLnBrk="1" latinLnBrk="0" hangingPunct="1">
         <a:lnSpc>
           <a:spcPct val="90000"/>
         </a:lnSpc>
         <a:spcBef>
-          <a:spcPts val="150"/>
+          <a:spcPts val="113"/>
         </a:spcBef>
         <a:buFont typeface="Arial" panose="020B0604020202020204" pitchFamily="34" charset="0"/>
         <a:buChar char="•"/>
-        <a:defRPr sz="540" kern="1200">
+        <a:defRPr sz="450" kern="1200">
+          <a:solidFill>
+            <a:schemeClr val="tx1"/>
+          </a:solidFill>
+          <a:latin typeface="+mn-lt"/>
+          <a:ea typeface="+mn-ea"/>
+          <a:cs typeface="+mn-cs"/>
+        </a:defRPr>
+      </a:lvl3pPr>
+      <a:lvl4pPr marL="360045" indent="-51435" algn="l" defTabSz="205740" rtl="0" eaLnBrk="1" latinLnBrk="0" hangingPunct="1">
+        <a:lnSpc>
+          <a:spcPct val="90000"/>
+        </a:lnSpc>
+        <a:spcBef>
+          <a:spcPts val="113"/>
+        </a:spcBef>
+        <a:buFont typeface="Arial" panose="020B0604020202020204" pitchFamily="34" charset="0"/>
+        <a:buChar char="•"/>
+        <a:defRPr sz="405" kern="1200">
+          <a:solidFill>
+            <a:schemeClr val="tx1"/>
+          </a:solidFill>
+          <a:latin typeface="+mn-lt"/>
+          <a:ea typeface="+mn-ea"/>
+          <a:cs typeface="+mn-cs"/>
+        </a:defRPr>
+      </a:lvl4pPr>
+      <a:lvl5pPr marL="462915" indent="-51435" algn="l" defTabSz="205740" rtl="0" eaLnBrk="1" latinLnBrk="0" hangingPunct="1">
+        <a:lnSpc>
+          <a:spcPct val="90000"/>
+        </a:lnSpc>
+        <a:spcBef>
+          <a:spcPts val="113"/>
+        </a:spcBef>
+        <a:buFont typeface="Arial" panose="020B0604020202020204" pitchFamily="34" charset="0"/>
+        <a:buChar char="•"/>
+        <a:defRPr sz="405" kern="1200">
           <a:solidFill>
             <a:schemeClr val="tx1"/>
           </a:solidFill>
@@ -2784,16 +2782,16 @@
           <a:cs typeface="+mn-cs"/>
         </a:defRPr>
       </a:lvl5pPr>
-      <a:lvl6pPr marL="754380" indent="-68580" algn="l" defTabSz="274320" rtl="0" eaLnBrk="1" latinLnBrk="0" hangingPunct="1">
+      <a:lvl6pPr marL="565785" indent="-51435" algn="l" defTabSz="205740" rtl="0" eaLnBrk="1" latinLnBrk="0" hangingPunct="1">
         <a:lnSpc>
           <a:spcPct val="90000"/>
         </a:lnSpc>
         <a:spcBef>
-          <a:spcPts val="150"/>
+          <a:spcPts val="113"/>
         </a:spcBef>
         <a:buFont typeface="Arial" panose="020B0604020202020204" pitchFamily="34" charset="0"/>
         <a:buChar char="•"/>
-        <a:defRPr sz="540" kern="1200">
+        <a:defRPr sz="405" kern="1200">
           <a:solidFill>
             <a:schemeClr val="tx1"/>
           </a:solidFill>
@@ -2802,16 +2800,16 @@
           <a:cs typeface="+mn-cs"/>
         </a:defRPr>
       </a:lvl6pPr>
-      <a:lvl7pPr marL="891540" indent="-68580" algn="l" defTabSz="274320" rtl="0" eaLnBrk="1" latinLnBrk="0" hangingPunct="1">
+      <a:lvl7pPr marL="668655" indent="-51435" algn="l" defTabSz="205740" rtl="0" eaLnBrk="1" latinLnBrk="0" hangingPunct="1">
         <a:lnSpc>
           <a:spcPct val="90000"/>
         </a:lnSpc>
         <a:spcBef>
-          <a:spcPts val="150"/>
+          <a:spcPts val="113"/>
         </a:spcBef>
         <a:buFont typeface="Arial" panose="020B0604020202020204" pitchFamily="34" charset="0"/>
         <a:buChar char="•"/>
-        <a:defRPr sz="540" kern="1200">
+        <a:defRPr sz="405" kern="1200">
           <a:solidFill>
             <a:schemeClr val="tx1"/>
           </a:solidFill>
@@ -2820,16 +2818,16 @@
           <a:cs typeface="+mn-cs"/>
         </a:defRPr>
       </a:lvl7pPr>
-      <a:lvl8pPr marL="1028700" indent="-68580" algn="l" defTabSz="274320" rtl="0" eaLnBrk="1" latinLnBrk="0" hangingPunct="1">
+      <a:lvl8pPr marL="771525" indent="-51435" algn="l" defTabSz="205740" rtl="0" eaLnBrk="1" latinLnBrk="0" hangingPunct="1">
         <a:lnSpc>
           <a:spcPct val="90000"/>
         </a:lnSpc>
         <a:spcBef>
-          <a:spcPts val="150"/>
+          <a:spcPts val="113"/>
         </a:spcBef>
         <a:buFont typeface="Arial" panose="020B0604020202020204" pitchFamily="34" charset="0"/>
         <a:buChar char="•"/>
-        <a:defRPr sz="540" kern="1200">
+        <a:defRPr sz="405" kern="1200">
           <a:solidFill>
             <a:schemeClr val="tx1"/>
           </a:solidFill>
@@ -2838,16 +2836,16 @@
           <a:cs typeface="+mn-cs"/>
         </a:defRPr>
       </a:lvl8pPr>
-      <a:lvl9pPr marL="1165860" indent="-68580" algn="l" defTabSz="274320" rtl="0" eaLnBrk="1" latinLnBrk="0" hangingPunct="1">
+      <a:lvl9pPr marL="874395" indent="-51435" algn="l" defTabSz="205740" rtl="0" eaLnBrk="1" latinLnBrk="0" hangingPunct="1">
         <a:lnSpc>
           <a:spcPct val="90000"/>
         </a:lnSpc>
         <a:spcBef>
-          <a:spcPts val="150"/>
+          <a:spcPts val="113"/>
         </a:spcBef>
         <a:buFont typeface="Arial" panose="020B0604020202020204" pitchFamily="34" charset="0"/>
         <a:buChar char="•"/>
-        <a:defRPr sz="540" kern="1200">
+        <a:defRPr sz="405" kern="1200">
           <a:solidFill>
             <a:schemeClr val="tx1"/>
           </a:solidFill>
@@ -2861,8 +2859,8 @@
       <a:defPPr>
         <a:defRPr lang="en-US"/>
       </a:defPPr>
-      <a:lvl1pPr marL="0" algn="l" defTabSz="274320" rtl="0" eaLnBrk="1" latinLnBrk="0" hangingPunct="1">
-        <a:defRPr sz="540" kern="1200">
+      <a:lvl1pPr marL="0" algn="l" defTabSz="205740" rtl="0" eaLnBrk="1" latinLnBrk="0" hangingPunct="1">
+        <a:defRPr sz="405" kern="1200">
           <a:solidFill>
             <a:schemeClr val="tx1"/>
           </a:solidFill>
@@ -2871,8 +2869,8 @@
           <a:cs typeface="+mn-cs"/>
         </a:defRPr>
       </a:lvl1pPr>
-      <a:lvl2pPr marL="137160" algn="l" defTabSz="274320" rtl="0" eaLnBrk="1" latinLnBrk="0" hangingPunct="1">
-        <a:defRPr sz="540" kern="1200">
+      <a:lvl2pPr marL="102870" algn="l" defTabSz="205740" rtl="0" eaLnBrk="1" latinLnBrk="0" hangingPunct="1">
+        <a:defRPr sz="405" kern="1200">
           <a:solidFill>
             <a:schemeClr val="tx1"/>
           </a:solidFill>
@@ -2881,8 +2879,8 @@
           <a:cs typeface="+mn-cs"/>
         </a:defRPr>
       </a:lvl2pPr>
-      <a:lvl3pPr marL="274320" algn="l" defTabSz="274320" rtl="0" eaLnBrk="1" latinLnBrk="0" hangingPunct="1">
-        <a:defRPr sz="540" kern="1200">
+      <a:lvl3pPr marL="205740" algn="l" defTabSz="205740" rtl="0" eaLnBrk="1" latinLnBrk="0" hangingPunct="1">
+        <a:defRPr sz="405" kern="1200">
           <a:solidFill>
             <a:schemeClr val="tx1"/>
           </a:solidFill>
@@ -2891,8 +2889,8 @@
           <a:cs typeface="+mn-cs"/>
         </a:defRPr>
       </a:lvl3pPr>
-      <a:lvl4pPr marL="411480" algn="l" defTabSz="274320" rtl="0" eaLnBrk="1" latinLnBrk="0" hangingPunct="1">
-        <a:defRPr sz="540" kern="1200">
+      <a:lvl4pPr marL="308610" algn="l" defTabSz="205740" rtl="0" eaLnBrk="1" latinLnBrk="0" hangingPunct="1">
+        <a:defRPr sz="405" kern="1200">
           <a:solidFill>
             <a:schemeClr val="tx1"/>
           </a:solidFill>
@@ -2901,8 +2899,8 @@
           <a:cs typeface="+mn-cs"/>
         </a:defRPr>
       </a:lvl4pPr>
-      <a:lvl5pPr marL="548640" algn="l" defTabSz="274320" rtl="0" eaLnBrk="1" latinLnBrk="0" hangingPunct="1">
-        <a:defRPr sz="540" kern="1200">
+      <a:lvl5pPr marL="411480" algn="l" defTabSz="205740" rtl="0" eaLnBrk="1" latinLnBrk="0" hangingPunct="1">
+        <a:defRPr sz="405" kern="1200">
           <a:solidFill>
             <a:schemeClr val="tx1"/>
           </a:solidFill>
@@ -2911,8 +2909,8 @@
           <a:cs typeface="+mn-cs"/>
         </a:defRPr>
       </a:lvl5pPr>
-      <a:lvl6pPr marL="685800" algn="l" defTabSz="274320" rtl="0" eaLnBrk="1" latinLnBrk="0" hangingPunct="1">
-        <a:defRPr sz="540" kern="1200">
+      <a:lvl6pPr marL="514350" algn="l" defTabSz="205740" rtl="0" eaLnBrk="1" latinLnBrk="0" hangingPunct="1">
+        <a:defRPr sz="405" kern="1200">
           <a:solidFill>
             <a:schemeClr val="tx1"/>
           </a:solidFill>
@@ -2921,8 +2919,8 @@
           <a:cs typeface="+mn-cs"/>
         </a:defRPr>
       </a:lvl6pPr>
-      <a:lvl7pPr marL="822960" algn="l" defTabSz="274320" rtl="0" eaLnBrk="1" latinLnBrk="0" hangingPunct="1">
-        <a:defRPr sz="540" kern="1200">
+      <a:lvl7pPr marL="617220" algn="l" defTabSz="205740" rtl="0" eaLnBrk="1" latinLnBrk="0" hangingPunct="1">
+        <a:defRPr sz="405" kern="1200">
           <a:solidFill>
             <a:schemeClr val="tx1"/>
           </a:solidFill>
@@ -2931,8 +2929,8 @@
           <a:cs typeface="+mn-cs"/>
         </a:defRPr>
       </a:lvl7pPr>
-      <a:lvl8pPr marL="960120" algn="l" defTabSz="274320" rtl="0" eaLnBrk="1" latinLnBrk="0" hangingPunct="1">
-        <a:defRPr sz="540" kern="1200">
+      <a:lvl8pPr marL="720090" algn="l" defTabSz="205740" rtl="0" eaLnBrk="1" latinLnBrk="0" hangingPunct="1">
+        <a:defRPr sz="405" kern="1200">
           <a:solidFill>
             <a:schemeClr val="tx1"/>
           </a:solidFill>
@@ -2941,8 +2939,8 @@
           <a:cs typeface="+mn-cs"/>
         </a:defRPr>
       </a:lvl8pPr>
-      <a:lvl9pPr marL="1097280" algn="l" defTabSz="274320" rtl="0" eaLnBrk="1" latinLnBrk="0" hangingPunct="1">
-        <a:defRPr sz="540" kern="1200">
+      <a:lvl9pPr marL="822960" algn="l" defTabSz="205740" rtl="0" eaLnBrk="1" latinLnBrk="0" hangingPunct="1">
+        <a:defRPr sz="405" kern="1200">
           <a:solidFill>
             <a:schemeClr val="tx1"/>
           </a:solidFill>
@@ -2997,7 +2995,7 @@
         </p:nvSpPr>
         <p:spPr>
           <a:xfrm>
-            <a:off x="4" y="0"/>
+            <a:off x="0" y="0"/>
             <a:ext cx="1481325" cy="1486463"/>
           </a:xfrm>
           <a:prstGeom prst="rect">
@@ -3060,7 +3058,7 @@
         </p:nvSpPr>
         <p:spPr>
           <a:xfrm>
-            <a:off x="1645920" y="14"/>
+            <a:off x="1645916" y="16"/>
             <a:ext cx="411480" cy="1486463"/>
           </a:xfrm>
           <a:prstGeom prst="rect">
@@ -3120,7 +3118,7 @@
         </p:nvSpPr>
         <p:spPr>
           <a:xfrm>
-            <a:off x="0" y="1645921"/>
+            <a:off x="-4" y="1645921"/>
             <a:ext cx="1481324" cy="411480"/>
           </a:xfrm>
           <a:prstGeom prst="rect">
@@ -3180,7 +3178,7 @@
         </p:nvSpPr>
         <p:spPr>
           <a:xfrm>
-            <a:off x="1645920" y="1645921"/>
+            <a:off x="1645916" y="1645921"/>
             <a:ext cx="411480" cy="411480"/>
           </a:xfrm>
           <a:prstGeom prst="rect">
@@ -3228,101 +3226,6 @@
       </p:sp>
       <p:sp>
         <p:nvSpPr>
-          <p:cNvPr id="14" name="Rectangle 13">
-            <a:extLst>
-              <a:ext uri="{FF2B5EF4-FFF2-40B4-BE49-F238E27FC236}">
-                <a16:creationId xmlns:a16="http://schemas.microsoft.com/office/drawing/2014/main" id="{D4876BED-94F9-48C3-9AA6-315D326118C7}"/>
-              </a:ext>
-            </a:extLst>
-          </p:cNvPr>
-          <p:cNvSpPr/>
-          <p:nvPr/>
-        </p:nvSpPr>
-        <p:spPr>
-          <a:xfrm>
-            <a:off x="2242251" y="365724"/>
-            <a:ext cx="9148763" cy="1463592"/>
-          </a:xfrm>
-          <a:prstGeom prst="rect">
-            <a:avLst/>
-          </a:prstGeom>
-          <a:noFill/>
-        </p:spPr>
-        <p:txBody>
-          <a:bodyPr wrap="square" lIns="91440" tIns="45720" rIns="91440" bIns="45720">
-            <a:spAutoFit/>
-          </a:bodyPr>
-          <a:lstStyle/>
-          <a:p>
-            <a:r>
-              <a:rPr lang="en-US" sz="8700" dirty="0">
-                <a:ln w="0"/>
-                <a:gradFill>
-                  <a:gsLst>
-                    <a:gs pos="0">
-                      <a:srgbClr val="6369E7"/>
-                    </a:gs>
-                    <a:gs pos="100000">
-                      <a:srgbClr val="E8667C"/>
-                    </a:gs>
-                  </a:gsLst>
-                  <a:lin ang="1500000" scaled="0"/>
-                </a:gradFill>
-                <a:latin typeface="Ebrima" panose="02000000000000000000" pitchFamily="2" charset="0"/>
-                <a:ea typeface="Ebrima" panose="02000000000000000000" pitchFamily="2" charset="0"/>
-                <a:cs typeface="Ebrima" panose="02000000000000000000" pitchFamily="2" charset="0"/>
-              </a:rPr>
-              <a:t> AUGMENTED</a:t>
-            </a:r>
-          </a:p>
-        </p:txBody>
-      </p:sp>
-      <p:sp>
-        <p:nvSpPr>
-          <p:cNvPr id="15" name="Rectangle 14">
-            <a:extLst>
-              <a:ext uri="{FF2B5EF4-FFF2-40B4-BE49-F238E27FC236}">
-                <a16:creationId xmlns:a16="http://schemas.microsoft.com/office/drawing/2014/main" id="{EAC07C15-FDC1-4AE1-8884-20F43DD92130}"/>
-              </a:ext>
-            </a:extLst>
-          </p:cNvPr>
-          <p:cNvSpPr/>
-          <p:nvPr/>
-        </p:nvSpPr>
-        <p:spPr>
-          <a:xfrm>
-            <a:off x="8989043" y="365723"/>
-            <a:ext cx="2269793" cy="1463592"/>
-          </a:xfrm>
-          <a:prstGeom prst="rect">
-            <a:avLst/>
-          </a:prstGeom>
-          <a:noFill/>
-        </p:spPr>
-        <p:txBody>
-          <a:bodyPr wrap="none" lIns="91440" tIns="45720" rIns="91440" bIns="45720">
-            <a:spAutoFit/>
-          </a:bodyPr>
-          <a:lstStyle/>
-          <a:p>
-            <a:pPr algn="r"/>
-            <a:r>
-              <a:rPr lang="en-US" sz="8700" dirty="0">
-                <a:ln w="0"/>
-                <a:solidFill>
-                  <a:srgbClr val="454545"/>
-                </a:solidFill>
-                <a:latin typeface="Ebrima" panose="02000000000000000000" pitchFamily="2" charset="0"/>
-                <a:ea typeface="Ebrima" panose="02000000000000000000" pitchFamily="2" charset="0"/>
-                <a:cs typeface="Ebrima" panose="02000000000000000000" pitchFamily="2" charset="0"/>
-              </a:rPr>
-              <a:t>PCA</a:t>
-            </a:r>
-          </a:p>
-        </p:txBody>
-      </p:sp>
-      <p:sp>
-        <p:nvSpPr>
           <p:cNvPr id="8" name="Rectangle 7">
             <a:extLst>
               <a:ext uri="{FF2B5EF4-FFF2-40B4-BE49-F238E27FC236}">
@@ -3335,7 +3238,7 @@
         </p:nvSpPr>
         <p:spPr>
           <a:xfrm>
-            <a:off x="155509" y="112290"/>
+            <a:off x="155505" y="112290"/>
             <a:ext cx="1159913" cy="1290215"/>
           </a:xfrm>
           <a:prstGeom prst="rect">
